--- a/PPT FWD TNSDC 2025.pptx
+++ b/PPT FWD TNSDC 2025.pptx
@@ -220,7 +220,7 @@
           <a:p>
             <a:fld id="{84B86612-B127-4CD0-BF15-66D49A7175F7}" type="datetimeFigureOut">
               <a:rPr lang="en-IN" smtClean="0"/>
-              <a:t>01-09-2025</a:t>
+              <a:t>31-08-2025</a:t>
             </a:fld>
             <a:endParaRPr lang="en-IN"/>
           </a:p>
@@ -717,7 +717,7 @@
           <a:p>
             <a:fld id="{1D8BD707-D9CF-40AE-B4C6-C98DA3205C09}" type="datetimeFigureOut">
               <a:rPr lang="en-US"/>
-              <a:t>9/1/2025</a:t>
+              <a:t>8/31/2025</a:t>
             </a:fld>
             <a:endParaRPr lang="en-US"/>
           </a:p>
@@ -897,7 +897,7 @@
           <a:p>
             <a:fld id="{1D8BD707-D9CF-40AE-B4C6-C98DA3205C09}" type="datetimeFigureOut">
               <a:rPr lang="en-US"/>
-              <a:t>9/1/2025</a:t>
+              <a:t>8/31/2025</a:t>
             </a:fld>
             <a:endParaRPr lang="en-US"/>
           </a:p>
@@ -1120,7 +1120,7 @@
           <a:p>
             <a:fld id="{1D8BD707-D9CF-40AE-B4C6-C98DA3205C09}" type="datetimeFigureOut">
               <a:rPr lang="en-US"/>
-              <a:t>9/1/2025</a:t>
+              <a:t>8/31/2025</a:t>
             </a:fld>
             <a:endParaRPr lang="en-US"/>
           </a:p>
@@ -1277,7 +1277,7 @@
           <a:p>
             <a:fld id="{1D8BD707-D9CF-40AE-B4C6-C98DA3205C09}" type="datetimeFigureOut">
               <a:rPr lang="en-US"/>
-              <a:t>9/1/2025</a:t>
+              <a:t>8/31/2025</a:t>
             </a:fld>
             <a:endParaRPr lang="en-US"/>
           </a:p>
@@ -1405,7 +1405,7 @@
           <a:p>
             <a:fld id="{1D8BD707-D9CF-40AE-B4C6-C98DA3205C09}" type="datetimeFigureOut">
               <a:rPr lang="en-US"/>
-              <a:t>9/1/2025</a:t>
+              <a:t>8/31/2025</a:t>
             </a:fld>
             <a:endParaRPr lang="en-US"/>
           </a:p>
@@ -2124,7 +2124,7 @@
           <a:p>
             <a:fld id="{1D8BD707-D9CF-40AE-B4C6-C98DA3205C09}" type="datetimeFigureOut">
               <a:rPr lang="en-US"/>
-              <a:t>9/1/2025</a:t>
+              <a:t>8/31/2025</a:t>
             </a:fld>
             <a:endParaRPr lang="en-US"/>
           </a:p>
